--- a/wigs/WIGS-W07.pptx
+++ b/wigs/WIGS-W07.pptx
@@ -223,6 +223,7 @@
     <p1510:client id="{69E7D19F-D6A4-9CF0-3A0A-A3087FA78EA2}" v="1549" dt="2020-06-09T23:37:52.104"/>
     <p1510:client id="{747235C1-0168-D443-2E66-34E4F242379F}" v="998" dt="2020-06-09T22:01:40.497"/>
     <p1510:client id="{9B9C363A-FE4F-5585-AD9B-1FE6DE864494}" v="5" dt="2020-06-16T19:08:18.858"/>
+    <p1510:client id="{A5AF7386-BBE9-FFA4-371B-0236E6F37F15}" v="9" dt="2020-07-15T20:33:30.321"/>
     <p1510:client id="{B6E0EF21-0914-503E-87D0-7D598E4D03C9}" v="38" dt="2020-06-09T06:15:07.222"/>
     <p1510:client id="{C3889A1A-581C-4AE3-43A8-76B5023798DF}" v="98" dt="2020-06-09T22:10:19.715"/>
   </p1510:revLst>
@@ -375,6 +376,30 @@
             <ac:picMk id="3" creationId="{3A2DB0F1-2935-4AFE-A8F8-AEC8D56008BA}"/>
           </ac:picMkLst>
         </pc:picChg>
+      </pc:sldChg>
+    </pc:docChg>
+  </pc:docChgLst>
+  <pc:docChgLst>
+    <pc:chgData name="Boe, Jonah" userId="S::jonahwb@byui.edu::0d5e1f00-1ebc-42bd-9eb7-862baab2db1c" providerId="AD" clId="Web-{A5AF7386-BBE9-FFA4-371B-0236E6F37F15}"/>
+    <pc:docChg chg="modSld">
+      <pc:chgData name="Boe, Jonah" userId="S::jonahwb@byui.edu::0d5e1f00-1ebc-42bd-9eb7-862baab2db1c" providerId="AD" clId="Web-{A5AF7386-BBE9-FFA4-371B-0236E6F37F15}" dt="2020-07-15T20:29:33.074" v="3"/>
+      <pc:docMkLst>
+        <pc:docMk/>
+      </pc:docMkLst>
+      <pc:sldChg chg="modSp">
+        <pc:chgData name="Boe, Jonah" userId="S::jonahwb@byui.edu::0d5e1f00-1ebc-42bd-9eb7-862baab2db1c" providerId="AD" clId="Web-{A5AF7386-BBE9-FFA4-371B-0236E6F37F15}" dt="2020-07-15T20:29:33.074" v="3"/>
+        <pc:sldMkLst>
+          <pc:docMk/>
+          <pc:sldMk cId="3655908836" sldId="341"/>
+        </pc:sldMkLst>
+        <pc:graphicFrameChg chg="mod modGraphic">
+          <ac:chgData name="Boe, Jonah" userId="S::jonahwb@byui.edu::0d5e1f00-1ebc-42bd-9eb7-862baab2db1c" providerId="AD" clId="Web-{A5AF7386-BBE9-FFA4-371B-0236E6F37F15}" dt="2020-07-15T20:29:33.074" v="3"/>
+          <ac:graphicFrameMkLst>
+            <pc:docMk/>
+            <pc:sldMk cId="3655908836" sldId="341"/>
+            <ac:graphicFrameMk id="4" creationId="{00000000-0000-0000-0000-000000000000}"/>
+          </ac:graphicFrameMkLst>
+        </pc:graphicFrameChg>
       </pc:sldChg>
     </pc:docChg>
   </pc:docChgLst>
@@ -1242,10 +1267,10 @@
           </a:ln>
           <a:extLst>
             <a:ext uri="{FAA26D3D-D897-4be2-8F04-BA451C77F1D7}">
-              <ma14:placeholderFlag xmlns:ma14="http://schemas.microsoft.com/office/mac/drawingml/2011/main" xmlns="" val="1"/>
+              <ma14:placeholderFlag xmlns="" xmlns:ma14="http://schemas.microsoft.com/office/mac/drawingml/2011/main" val="1"/>
             </a:ext>
             <a:ext uri="{909E8E84-426E-40dd-AFC4-6F175D3DCCD1}">
-              <a14:hiddenFill xmlns:a14="http://schemas.microsoft.com/office/drawing/2010/main" xmlns="">
+              <a14:hiddenFill xmlns="" xmlns:a14="http://schemas.microsoft.com/office/drawing/2010/main">
                 <a:solidFill>
                   <a:srgbClr val="FFFFFF"/>
                 </a:solidFill>
@@ -2109,14 +2134,14 @@
           </a:ln>
           <a:extLst>
             <a:ext uri="{909E8E84-426E-40dd-AFC4-6F175D3DCCD1}">
-              <a14:hiddenFill xmlns:a14="http://schemas.microsoft.com/office/drawing/2010/main" xmlns="">
+              <a14:hiddenFill xmlns="" xmlns:a14="http://schemas.microsoft.com/office/drawing/2010/main">
                 <a:solidFill>
                   <a:srgbClr val="FFFFFF"/>
                 </a:solidFill>
               </a14:hiddenFill>
             </a:ext>
             <a:ext uri="{91240B29-F687-4f45-9708-019B960494DF}">
-              <a14:hiddenLine xmlns:a14="http://schemas.microsoft.com/office/drawing/2010/main" xmlns="" w="9525">
+              <a14:hiddenLine xmlns="" xmlns:a14="http://schemas.microsoft.com/office/drawing/2010/main" w="9525">
                 <a:solidFill>
                   <a:srgbClr val="000000"/>
                 </a:solidFill>
@@ -17691,7 +17716,7 @@
           <p:nvPr>
             <p:extLst>
               <p:ext uri="{D42A27DB-BD31-4B8C-83A1-F6EECF244321}">
-                <p14:modId xmlns:p14="http://schemas.microsoft.com/office/powerpoint/2010/main" val="2171609743"/>
+                <p14:modId xmlns:p14="http://schemas.microsoft.com/office/powerpoint/2010/main" val="1385388080"/>
               </p:ext>
             </p:extLst>
           </p:nvPr>
@@ -17730,7 +17755,7 @@
                     <a:p>
                       <a:pPr algn="ctr" fontAlgn="b"/>
                       <a:r>
-                        <a:rPr lang="en-US" sz="1100" u="none" strike="noStrike">
+                        <a:rPr lang="en-US" sz="1100" u="none" strike="noStrike" dirty="0">
                           <a:solidFill>
                             <a:schemeClr val="bg1"/>
                           </a:solidFill>
@@ -17739,7 +17764,7 @@
                         <a:t>Hours on task during the week (On track ≥ 13 / </a:t>
                       </a:r>
                       <a:r>
-                        <a:rPr lang="en-US" sz="1100" u="none" strike="noStrike" err="1">
+                        <a:rPr lang="en-US" sz="1100" u="none" strike="noStrike" dirty="0" err="1">
                           <a:solidFill>
                             <a:schemeClr val="bg1"/>
                           </a:solidFill>
@@ -17748,7 +17773,7 @@
                         <a:t>wk</a:t>
                       </a:r>
                       <a:r>
-                        <a:rPr lang="en-US" sz="1100" u="none" strike="noStrike">
+                        <a:rPr lang="en-US" sz="1100" u="none" strike="noStrike" dirty="0">
                           <a:solidFill>
                             <a:schemeClr val="bg1"/>
                           </a:solidFill>
@@ -17756,7 +17781,7 @@
                         </a:rPr>
                         <a:t>)</a:t>
                       </a:r>
-                      <a:endParaRPr lang="en-US" sz="1100" b="0" i="0" u="none" strike="noStrike">
+                      <a:endParaRPr lang="en-US" sz="1100" b="0" i="0" u="none" strike="noStrike" dirty="0">
                         <a:solidFill>
                           <a:schemeClr val="bg1"/>
                         </a:solidFill>
@@ -17819,7 +17844,7 @@
                     <a:p>
                       <a:pPr algn="ctr" fontAlgn="b"/>
                       <a:r>
-                        <a:rPr lang="en-US" sz="1100" b="0" i="0" u="none" strike="noStrike">
+                        <a:rPr lang="en-US" sz="1100" b="0" i="0" u="none" strike="noStrike" dirty="0">
                           <a:solidFill>
                             <a:schemeClr val="bg1"/>
                           </a:solidFill>
@@ -17828,7 +17853,7 @@
                         </a:rPr>
                         <a:t>15</a:t>
                       </a:r>
-                      <a:endParaRPr lang="en-US" sz="1100" b="0" i="0" u="none" strike="noStrike">
+                      <a:endParaRPr lang="en-US" sz="1100" b="0" i="0" u="none" strike="noStrike" dirty="0">
                         <a:solidFill>
                           <a:schemeClr val="bg1"/>
                         </a:solidFill>
@@ -17898,7 +17923,7 @@
                     <a:p>
                       <a:pPr algn="ctr" fontAlgn="b"/>
                       <a:r>
-                        <a:rPr lang="en-US" sz="1100" u="none" strike="noStrike">
+                        <a:rPr lang="en-US" sz="1100" u="none" strike="noStrike" dirty="0">
                           <a:solidFill>
                             <a:schemeClr val="bg1"/>
                           </a:solidFill>
@@ -17907,7 +17932,7 @@
                         <a:t> Total hours on task so far this semester (On track ≥ 86 </a:t>
                       </a:r>
                       <a:r>
-                        <a:rPr lang="en-US" sz="1100" u="none" strike="noStrike" err="1">
+                        <a:rPr lang="en-US" sz="1100" u="none" strike="noStrike" dirty="0" err="1">
                           <a:solidFill>
                             <a:schemeClr val="bg1"/>
                           </a:solidFill>
@@ -17916,7 +17941,7 @@
                         <a:t>hrs</a:t>
                       </a:r>
                       <a:r>
-                        <a:rPr lang="en-US" sz="1100" u="none" strike="noStrike">
+                        <a:rPr lang="en-US" sz="1100" u="none" strike="noStrike" dirty="0">
                           <a:solidFill>
                             <a:schemeClr val="bg1"/>
                           </a:solidFill>
@@ -17924,7 +17949,7 @@
                         </a:rPr>
                         <a:t>)</a:t>
                       </a:r>
-                      <a:endParaRPr lang="en-US" sz="1100" b="0" i="0" u="none" strike="noStrike">
+                      <a:endParaRPr lang="en-US" sz="1100" b="0" i="0" u="none" strike="noStrike" dirty="0">
                         <a:solidFill>
                           <a:schemeClr val="bg1"/>
                         </a:solidFill>
@@ -17987,16 +18012,16 @@
                     <a:p>
                       <a:pPr algn="ctr" fontAlgn="b"/>
                       <a:r>
-                        <a:rPr lang="en-US" sz="1100" b="0" i="0" u="none" strike="noStrike">
+                        <a:rPr lang="en-US" sz="1100" b="0" i="0" u="none" strike="noStrike" dirty="0">
                           <a:solidFill>
                             <a:schemeClr val="bg1"/>
                           </a:solidFill>
                           <a:effectLst/>
                           <a:latin typeface="Calibri"/>
                         </a:rPr>
-                        <a:t>89.19</a:t>
+                        <a:t>89.8</a:t>
                       </a:r>
-                      <a:endParaRPr lang="en-US" sz="1100" b="0" i="0" u="none" strike="noStrike">
+                      <a:endParaRPr lang="en-US" sz="1100" b="0" i="0" u="none" strike="noStrike" dirty="0">
                         <a:solidFill>
                           <a:schemeClr val="bg1"/>
                         </a:solidFill>
